--- a/powerpoint/slip_stitch.pptx
+++ b/powerpoint/slip_stitch.pptx
@@ -243,7 +243,7 @@
           <a:p>
             <a:fld id="{9DF1ED94-BDBC-D74B-8638-89CABDF8037C}" type="datetimeFigureOut">
               <a:rPr kumimoji="1" lang="ja-JP" altLang="en-US" smtClean="0"/>
-              <a:t>2025/2/4</a:t>
+              <a:t>2025/2/5</a:t>
             </a:fld>
             <a:endParaRPr kumimoji="1" lang="ja-JP" altLang="en-US"/>
           </a:p>
@@ -445,7 +445,7 @@
           <a:p>
             <a:fld id="{9DF1ED94-BDBC-D74B-8638-89CABDF8037C}" type="datetimeFigureOut">
               <a:rPr kumimoji="1" lang="ja-JP" altLang="en-US" smtClean="0"/>
-              <a:t>2025/2/4</a:t>
+              <a:t>2025/2/5</a:t>
             </a:fld>
             <a:endParaRPr kumimoji="1" lang="ja-JP" altLang="en-US"/>
           </a:p>
@@ -657,7 +657,7 @@
           <a:p>
             <a:fld id="{9DF1ED94-BDBC-D74B-8638-89CABDF8037C}" type="datetimeFigureOut">
               <a:rPr kumimoji="1" lang="ja-JP" altLang="en-US" smtClean="0"/>
-              <a:t>2025/2/4</a:t>
+              <a:t>2025/2/5</a:t>
             </a:fld>
             <a:endParaRPr kumimoji="1" lang="ja-JP" altLang="en-US"/>
           </a:p>
@@ -859,7 +859,7 @@
           <a:p>
             <a:fld id="{9DF1ED94-BDBC-D74B-8638-89CABDF8037C}" type="datetimeFigureOut">
               <a:rPr kumimoji="1" lang="ja-JP" altLang="en-US" smtClean="0"/>
-              <a:t>2025/2/4</a:t>
+              <a:t>2025/2/5</a:t>
             </a:fld>
             <a:endParaRPr kumimoji="1" lang="ja-JP" altLang="en-US"/>
           </a:p>
@@ -1105,7 +1105,7 @@
           <a:p>
             <a:fld id="{9DF1ED94-BDBC-D74B-8638-89CABDF8037C}" type="datetimeFigureOut">
               <a:rPr kumimoji="1" lang="ja-JP" altLang="en-US" smtClean="0"/>
-              <a:t>2025/2/4</a:t>
+              <a:t>2025/2/5</a:t>
             </a:fld>
             <a:endParaRPr kumimoji="1" lang="ja-JP" altLang="en-US"/>
           </a:p>
@@ -1401,7 +1401,7 @@
           <a:p>
             <a:fld id="{9DF1ED94-BDBC-D74B-8638-89CABDF8037C}" type="datetimeFigureOut">
               <a:rPr kumimoji="1" lang="ja-JP" altLang="en-US" smtClean="0"/>
-              <a:t>2025/2/4</a:t>
+              <a:t>2025/2/5</a:t>
             </a:fld>
             <a:endParaRPr kumimoji="1" lang="ja-JP" altLang="en-US"/>
           </a:p>
@@ -1832,7 +1832,7 @@
           <a:p>
             <a:fld id="{9DF1ED94-BDBC-D74B-8638-89CABDF8037C}" type="datetimeFigureOut">
               <a:rPr kumimoji="1" lang="ja-JP" altLang="en-US" smtClean="0"/>
-              <a:t>2025/2/4</a:t>
+              <a:t>2025/2/5</a:t>
             </a:fld>
             <a:endParaRPr kumimoji="1" lang="ja-JP" altLang="en-US"/>
           </a:p>
@@ -1950,7 +1950,7 @@
           <a:p>
             <a:fld id="{9DF1ED94-BDBC-D74B-8638-89CABDF8037C}" type="datetimeFigureOut">
               <a:rPr kumimoji="1" lang="ja-JP" altLang="en-US" smtClean="0"/>
-              <a:t>2025/2/4</a:t>
+              <a:t>2025/2/5</a:t>
             </a:fld>
             <a:endParaRPr kumimoji="1" lang="ja-JP" altLang="en-US"/>
           </a:p>
@@ -2045,7 +2045,7 @@
           <a:p>
             <a:fld id="{9DF1ED94-BDBC-D74B-8638-89CABDF8037C}" type="datetimeFigureOut">
               <a:rPr kumimoji="1" lang="ja-JP" altLang="en-US" smtClean="0"/>
-              <a:t>2025/2/4</a:t>
+              <a:t>2025/2/5</a:t>
             </a:fld>
             <a:endParaRPr kumimoji="1" lang="ja-JP" altLang="en-US"/>
           </a:p>
@@ -2354,7 +2354,7 @@
           <a:p>
             <a:fld id="{9DF1ED94-BDBC-D74B-8638-89CABDF8037C}" type="datetimeFigureOut">
               <a:rPr kumimoji="1" lang="ja-JP" altLang="en-US" smtClean="0"/>
-              <a:t>2025/2/4</a:t>
+              <a:t>2025/2/5</a:t>
             </a:fld>
             <a:endParaRPr kumimoji="1" lang="ja-JP" altLang="en-US"/>
           </a:p>
@@ -2611,7 +2611,7 @@
           <a:p>
             <a:fld id="{9DF1ED94-BDBC-D74B-8638-89CABDF8037C}" type="datetimeFigureOut">
               <a:rPr kumimoji="1" lang="ja-JP" altLang="en-US" smtClean="0"/>
-              <a:t>2025/2/4</a:t>
+              <a:t>2025/2/5</a:t>
             </a:fld>
             <a:endParaRPr kumimoji="1" lang="ja-JP" altLang="en-US"/>
           </a:p>
@@ -2856,7 +2856,7 @@
           <a:p>
             <a:fld id="{9DF1ED94-BDBC-D74B-8638-89CABDF8037C}" type="datetimeFigureOut">
               <a:rPr kumimoji="1" lang="ja-JP" altLang="en-US" smtClean="0"/>
-              <a:t>2025/2/4</a:t>
+              <a:t>2025/2/5</a:t>
             </a:fld>
             <a:endParaRPr kumimoji="1" lang="ja-JP" altLang="en-US"/>
           </a:p>
@@ -3263,10 +3263,10 @@
       </p:grpSpPr>
       <p:grpSp>
         <p:nvGrpSpPr>
-          <p:cNvPr id="11" name="グループ化 10">
+          <p:cNvPr id="4" name="グループ化 3">
             <a:extLst>
               <a:ext uri="{FF2B5EF4-FFF2-40B4-BE49-F238E27FC236}">
-                <a16:creationId xmlns:a16="http://schemas.microsoft.com/office/drawing/2014/main" id="{CAB16EB8-410B-E879-3EC7-A9D6CEE09ED1}"/>
+                <a16:creationId xmlns:a16="http://schemas.microsoft.com/office/drawing/2014/main" id="{39117455-0348-6A40-AFD2-1509D4E11A99}"/>
               </a:ext>
             </a:extLst>
           </p:cNvPr>
@@ -3275,98 +3275,165 @@
         </p:nvGrpSpPr>
         <p:grpSpPr>
           <a:xfrm>
-            <a:off x="1138687" y="1362719"/>
-            <a:ext cx="8522389" cy="8074325"/>
-            <a:chOff x="1138687" y="1897811"/>
-            <a:chExt cx="8522389" cy="6435306"/>
+            <a:off x="1138687" y="1207317"/>
+            <a:ext cx="8522389" cy="8385129"/>
+            <a:chOff x="1138687" y="1362719"/>
+            <a:chExt cx="8522389" cy="8385129"/>
           </a:xfrm>
         </p:grpSpPr>
-        <p:cxnSp>
-          <p:nvCxnSpPr>
-            <p:cNvPr id="5" name="直線コネクタ 4">
+        <p:grpSp>
+          <p:nvGrpSpPr>
+            <p:cNvPr id="11" name="グループ化 10">
               <a:extLst>
                 <a:ext uri="{FF2B5EF4-FFF2-40B4-BE49-F238E27FC236}">
-                  <a16:creationId xmlns:a16="http://schemas.microsoft.com/office/drawing/2014/main" id="{BC5D3C58-9536-6322-770E-D2AA0471A9D5}"/>
+                  <a16:creationId xmlns:a16="http://schemas.microsoft.com/office/drawing/2014/main" id="{CAB16EB8-410B-E879-3EC7-A9D6CEE09ED1}"/>
                 </a:ext>
               </a:extLst>
             </p:cNvPr>
-            <p:cNvCxnSpPr>
-              <a:cxnSpLocks/>
-            </p:cNvCxnSpPr>
+            <p:cNvGrpSpPr/>
             <p:nvPr/>
-          </p:nvCxnSpPr>
+          </p:nvGrpSpPr>
+          <p:grpSpPr>
+            <a:xfrm>
+              <a:off x="1138687" y="1362719"/>
+              <a:ext cx="8522389" cy="8074325"/>
+              <a:chOff x="1138687" y="1897811"/>
+              <a:chExt cx="8522389" cy="6435306"/>
+            </a:xfrm>
+          </p:grpSpPr>
+          <p:cxnSp>
+            <p:nvCxnSpPr>
+              <p:cNvPr id="5" name="直線コネクタ 4">
+                <a:extLst>
+                  <a:ext uri="{FF2B5EF4-FFF2-40B4-BE49-F238E27FC236}">
+                    <a16:creationId xmlns:a16="http://schemas.microsoft.com/office/drawing/2014/main" id="{BC5D3C58-9536-6322-770E-D2AA0471A9D5}"/>
+                  </a:ext>
+                </a:extLst>
+              </p:cNvPr>
+              <p:cNvCxnSpPr>
+                <a:cxnSpLocks/>
+              </p:cNvCxnSpPr>
+              <p:nvPr/>
+            </p:nvCxnSpPr>
+            <p:spPr>
+              <a:xfrm>
+                <a:off x="1138687" y="1897811"/>
+                <a:ext cx="4261194" cy="6435306"/>
+              </a:xfrm>
+              <a:prstGeom prst="line">
+                <a:avLst/>
+              </a:prstGeom>
+              <a:ln w="1270000">
+                <a:solidFill>
+                  <a:schemeClr val="tx1"/>
+                </a:solidFill>
+              </a:ln>
+            </p:spPr>
+            <p:style>
+              <a:lnRef idx="2">
+                <a:schemeClr val="accent1"/>
+              </a:lnRef>
+              <a:fillRef idx="0">
+                <a:schemeClr val="accent1"/>
+              </a:fillRef>
+              <a:effectRef idx="1">
+                <a:schemeClr val="accent1"/>
+              </a:effectRef>
+              <a:fontRef idx="minor">
+                <a:schemeClr val="tx1"/>
+              </a:fontRef>
+            </p:style>
+          </p:cxnSp>
+          <p:cxnSp>
+            <p:nvCxnSpPr>
+              <p:cNvPr id="6" name="直線コネクタ 5">
+                <a:extLst>
+                  <a:ext uri="{FF2B5EF4-FFF2-40B4-BE49-F238E27FC236}">
+                    <a16:creationId xmlns:a16="http://schemas.microsoft.com/office/drawing/2014/main" id="{454692FE-411C-4DD0-0F87-EADCF77BDAB4}"/>
+                  </a:ext>
+                </a:extLst>
+              </p:cNvPr>
+              <p:cNvCxnSpPr>
+                <a:cxnSpLocks/>
+              </p:cNvCxnSpPr>
+              <p:nvPr/>
+            </p:nvCxnSpPr>
+            <p:spPr>
+              <a:xfrm flipH="1">
+                <a:off x="5399881" y="1897811"/>
+                <a:ext cx="4261195" cy="6435306"/>
+              </a:xfrm>
+              <a:prstGeom prst="line">
+                <a:avLst/>
+              </a:prstGeom>
+              <a:ln w="1270000">
+                <a:solidFill>
+                  <a:schemeClr val="tx1"/>
+                </a:solidFill>
+              </a:ln>
+            </p:spPr>
+            <p:style>
+              <a:lnRef idx="2">
+                <a:schemeClr val="accent1"/>
+              </a:lnRef>
+              <a:fillRef idx="0">
+                <a:schemeClr val="accent1"/>
+              </a:fillRef>
+              <a:effectRef idx="1">
+                <a:schemeClr val="accent1"/>
+              </a:effectRef>
+              <a:fontRef idx="minor">
+                <a:schemeClr val="tx1"/>
+              </a:fontRef>
+            </p:style>
+          </p:cxnSp>
+        </p:grpSp>
+        <p:sp>
+          <p:nvSpPr>
+            <p:cNvPr id="3" name="正方形/長方形 2">
+              <a:extLst>
+                <a:ext uri="{FF2B5EF4-FFF2-40B4-BE49-F238E27FC236}">
+                  <a16:creationId xmlns:a16="http://schemas.microsoft.com/office/drawing/2014/main" id="{A0487C17-3DD2-EC1E-98E7-4D80A9535C69}"/>
+                </a:ext>
+              </a:extLst>
+            </p:cNvPr>
+            <p:cNvSpPr/>
+            <p:nvPr/>
+          </p:nvSpPr>
           <p:spPr>
             <a:xfrm>
-              <a:off x="1138687" y="1897811"/>
-              <a:ext cx="4261194" cy="6435306"/>
+              <a:off x="4848045" y="8264105"/>
+              <a:ext cx="1104181" cy="1483743"/>
             </a:xfrm>
-            <a:prstGeom prst="line">
+            <a:prstGeom prst="rect">
               <a:avLst/>
             </a:prstGeom>
-            <a:ln w="76200">
-              <a:solidFill>
-                <a:schemeClr val="tx1"/>
-              </a:solidFill>
-            </a:ln>
           </p:spPr>
           <p:style>
             <a:lnRef idx="2">
-              <a:schemeClr val="accent1"/>
+              <a:schemeClr val="dk1">
+                <a:shade val="15000"/>
+              </a:schemeClr>
             </a:lnRef>
-            <a:fillRef idx="0">
-              <a:schemeClr val="accent1"/>
+            <a:fillRef idx="1">
+              <a:schemeClr val="dk1"/>
             </a:fillRef>
-            <a:effectRef idx="1">
-              <a:schemeClr val="accent1"/>
+            <a:effectRef idx="0">
+              <a:schemeClr val="dk1"/>
             </a:effectRef>
             <a:fontRef idx="minor">
-              <a:schemeClr val="tx1"/>
+              <a:schemeClr val="lt1"/>
             </a:fontRef>
           </p:style>
-        </p:cxnSp>
-        <p:cxnSp>
-          <p:nvCxnSpPr>
-            <p:cNvPr id="6" name="直線コネクタ 5">
-              <a:extLst>
-                <a:ext uri="{FF2B5EF4-FFF2-40B4-BE49-F238E27FC236}">
-                  <a16:creationId xmlns:a16="http://schemas.microsoft.com/office/drawing/2014/main" id="{454692FE-411C-4DD0-0F87-EADCF77BDAB4}"/>
-                </a:ext>
-              </a:extLst>
-            </p:cNvPr>
-            <p:cNvCxnSpPr>
-              <a:cxnSpLocks/>
-            </p:cNvCxnSpPr>
-            <p:nvPr/>
-          </p:nvCxnSpPr>
-          <p:spPr>
-            <a:xfrm flipH="1">
-              <a:off x="5399881" y="1897811"/>
-              <a:ext cx="4261195" cy="6435306"/>
-            </a:xfrm>
-            <a:prstGeom prst="line">
-              <a:avLst/>
-            </a:prstGeom>
-            <a:ln w="76200">
-              <a:solidFill>
-                <a:schemeClr val="tx1"/>
-              </a:solidFill>
-            </a:ln>
-          </p:spPr>
-          <p:style>
-            <a:lnRef idx="2">
-              <a:schemeClr val="accent1"/>
-            </a:lnRef>
-            <a:fillRef idx="0">
-              <a:schemeClr val="accent1"/>
-            </a:fillRef>
-            <a:effectRef idx="1">
-              <a:schemeClr val="accent1"/>
-            </a:effectRef>
-            <a:fontRef idx="minor">
-              <a:schemeClr val="tx1"/>
-            </a:fontRef>
-          </p:style>
-        </p:cxnSp>
+          <p:txBody>
+            <a:bodyPr rtlCol="0" anchor="ctr"/>
+            <a:lstStyle/>
+            <a:p>
+              <a:pPr algn="ctr"/>
+              <a:endParaRPr kumimoji="1" lang="ja-JP" altLang="en-US"/>
+            </a:p>
+          </p:txBody>
+        </p:sp>
       </p:grpSp>
     </p:spTree>
     <p:extLst>
